--- a/DOCS/v2/Android - Kotlin STOLOS FMA.pptx
+++ b/DOCS/v2/Android - Kotlin STOLOS FMA.pptx
@@ -10,12 +10,20 @@
     <p:sldId id="260" r:id="rId4"/>
     <p:sldId id="259" r:id="rId5"/>
     <p:sldId id="258" r:id="rId6"/>
-    <p:sldId id="263" r:id="rId7"/>
-    <p:sldId id="264" r:id="rId8"/>
-    <p:sldId id="266" r:id="rId9"/>
-    <p:sldId id="265" r:id="rId10"/>
-    <p:sldId id="262" r:id="rId11"/>
-    <p:sldId id="261" r:id="rId12"/>
+    <p:sldId id="274" r:id="rId7"/>
+    <p:sldId id="263" r:id="rId8"/>
+    <p:sldId id="264" r:id="rId9"/>
+    <p:sldId id="266" r:id="rId10"/>
+    <p:sldId id="265" r:id="rId11"/>
+    <p:sldId id="269" r:id="rId12"/>
+    <p:sldId id="262" r:id="rId13"/>
+    <p:sldId id="268" r:id="rId14"/>
+    <p:sldId id="270" r:id="rId15"/>
+    <p:sldId id="267" r:id="rId16"/>
+    <p:sldId id="271" r:id="rId17"/>
+    <p:sldId id="272" r:id="rId18"/>
+    <p:sldId id="273" r:id="rId19"/>
+    <p:sldId id="261" r:id="rId20"/>
   </p:sldIdLst>
   <p:sldSz cx="12192000" cy="6858000"/>
   <p:notesSz cx="6858000" cy="9144000"/>
@@ -5952,6 +5960,173 @@
       </p:grpSpPr>
       <p:pic>
         <p:nvPicPr>
+          <p:cNvPr id="7" name="Picture 6" descr="A picture containing graphics, font, graphic design, screenshot&#10;&#10;Description automatically generated">
+            <a:extLst>
+              <a:ext uri="{FF2B5EF4-FFF2-40B4-BE49-F238E27FC236}">
+                <a16:creationId xmlns:a16="http://schemas.microsoft.com/office/drawing/2014/main" id="{CAB8BE5B-C0BB-98AE-77B5-22FA047CC45E}"/>
+              </a:ext>
+            </a:extLst>
+          </p:cNvPr>
+          <p:cNvPicPr>
+            <a:picLocks noChangeAspect="1"/>
+          </p:cNvPicPr>
+          <p:nvPr/>
+        </p:nvPicPr>
+        <p:blipFill>
+          <a:blip r:embed="rId2">
+            <a:extLst>
+              <a:ext uri="{28A0092B-C50C-407E-A947-70E740481C1C}">
+                <a14:useLocalDpi xmlns:a14="http://schemas.microsoft.com/office/drawing/2010/main" val="0"/>
+              </a:ext>
+            </a:extLst>
+          </a:blip>
+          <a:stretch>
+            <a:fillRect/>
+          </a:stretch>
+        </p:blipFill>
+        <p:spPr>
+          <a:xfrm>
+            <a:off x="371397" y="1582877"/>
+            <a:ext cx="6572250" cy="3448050"/>
+          </a:xfrm>
+          <a:prstGeom prst="rect">
+            <a:avLst/>
+          </a:prstGeom>
+        </p:spPr>
+      </p:pic>
+      <p:pic>
+        <p:nvPicPr>
+          <p:cNvPr id="10" name="Picture 9" descr="A picture containing clipart, cartoon, design&#10;&#10;Description automatically generated">
+            <a:extLst>
+              <a:ext uri="{FF2B5EF4-FFF2-40B4-BE49-F238E27FC236}">
+                <a16:creationId xmlns:a16="http://schemas.microsoft.com/office/drawing/2014/main" id="{44916B12-CC9C-7039-59D3-FBB583AF48C9}"/>
+              </a:ext>
+            </a:extLst>
+          </p:cNvPr>
+          <p:cNvPicPr>
+            <a:picLocks noChangeAspect="1"/>
+          </p:cNvPicPr>
+          <p:nvPr/>
+        </p:nvPicPr>
+        <p:blipFill>
+          <a:blip r:embed="rId3">
+            <a:extLst>
+              <a:ext uri="{28A0092B-C50C-407E-A947-70E740481C1C}">
+                <a14:useLocalDpi xmlns:a14="http://schemas.microsoft.com/office/drawing/2010/main" val="0"/>
+              </a:ext>
+            </a:extLst>
+          </a:blip>
+          <a:stretch>
+            <a:fillRect/>
+          </a:stretch>
+        </p:blipFill>
+        <p:spPr>
+          <a:xfrm>
+            <a:off x="5688089" y="1116650"/>
+            <a:ext cx="7812758" cy="4913492"/>
+          </a:xfrm>
+          <a:prstGeom prst="rect">
+            <a:avLst/>
+          </a:prstGeom>
+        </p:spPr>
+      </p:pic>
+    </p:spTree>
+    <p:extLst>
+      <p:ext uri="{BB962C8B-B14F-4D97-AF65-F5344CB8AC3E}">
+        <p14:creationId xmlns:p14="http://schemas.microsoft.com/office/powerpoint/2010/main" val="1981909091"/>
+      </p:ext>
+    </p:extLst>
+  </p:cSld>
+  <p:clrMapOvr>
+    <a:masterClrMapping/>
+  </p:clrMapOvr>
+</p:sld>
+</file>
+
+<file path=ppt/slides/slide11.xml><?xml version="1.0" encoding="utf-8"?>
+<p:sld xmlns:a="http://schemas.openxmlformats.org/drawingml/2006/main" xmlns:r="http://schemas.openxmlformats.org/officeDocument/2006/relationships" xmlns:p="http://schemas.openxmlformats.org/presentationml/2006/main">
+  <p:cSld>
+    <p:spTree>
+      <p:nvGrpSpPr>
+        <p:cNvPr id="1" name=""/>
+        <p:cNvGrpSpPr/>
+        <p:nvPr/>
+      </p:nvGrpSpPr>
+      <p:grpSpPr>
+        <a:xfrm>
+          <a:off x="0" y="0"/>
+          <a:ext cx="0" cy="0"/>
+          <a:chOff x="0" y="0"/>
+          <a:chExt cx="0" cy="0"/>
+        </a:xfrm>
+      </p:grpSpPr>
+      <p:sp>
+        <p:nvSpPr>
+          <p:cNvPr id="2" name="Title 1">
+            <a:extLst>
+              <a:ext uri="{FF2B5EF4-FFF2-40B4-BE49-F238E27FC236}">
+                <a16:creationId xmlns:a16="http://schemas.microsoft.com/office/drawing/2014/main" id="{91CB8E06-937A-8697-6513-04238818DED8}"/>
+              </a:ext>
+            </a:extLst>
+          </p:cNvPr>
+          <p:cNvSpPr>
+            <a:spLocks noGrp="1"/>
+          </p:cNvSpPr>
+          <p:nvPr>
+            <p:ph type="title"/>
+          </p:nvPr>
+        </p:nvSpPr>
+        <p:spPr>
+          <a:xfrm>
+            <a:off x="838200" y="2766218"/>
+            <a:ext cx="10515600" cy="1325563"/>
+          </a:xfrm>
+        </p:spPr>
+        <p:txBody>
+          <a:bodyPr/>
+          <a:lstStyle/>
+          <a:p>
+            <a:pPr algn="ctr"/>
+            <a:r>
+              <a:rPr lang="en-US" dirty="0"/>
+              <a:t>V1</a:t>
+            </a:r>
+            <a:endParaRPr lang="en-GB" dirty="0"/>
+          </a:p>
+        </p:txBody>
+      </p:sp>
+    </p:spTree>
+    <p:extLst>
+      <p:ext uri="{BB962C8B-B14F-4D97-AF65-F5344CB8AC3E}">
+        <p14:creationId xmlns:p14="http://schemas.microsoft.com/office/powerpoint/2010/main" val="3697997444"/>
+      </p:ext>
+    </p:extLst>
+  </p:cSld>
+  <p:clrMapOvr>
+    <a:masterClrMapping/>
+  </p:clrMapOvr>
+</p:sld>
+</file>
+
+<file path=ppt/slides/slide12.xml><?xml version="1.0" encoding="utf-8"?>
+<p:sld xmlns:a="http://schemas.openxmlformats.org/drawingml/2006/main" xmlns:r="http://schemas.openxmlformats.org/officeDocument/2006/relationships" xmlns:p="http://schemas.openxmlformats.org/presentationml/2006/main">
+  <p:cSld>
+    <p:spTree>
+      <p:nvGrpSpPr>
+        <p:cNvPr id="1" name=""/>
+        <p:cNvGrpSpPr/>
+        <p:nvPr/>
+      </p:nvGrpSpPr>
+      <p:grpSpPr>
+        <a:xfrm>
+          <a:off x="0" y="0"/>
+          <a:ext cx="0" cy="0"/>
+          <a:chOff x="0" y="0"/>
+          <a:chExt cx="0" cy="0"/>
+        </a:xfrm>
+      </p:grpSpPr>
+      <p:pic>
+        <p:nvPicPr>
           <p:cNvPr id="4" name="Picture 3" descr="A screenshot of a cell phone&#10;&#10;Description automatically generated with low confidence">
             <a:extLst>
               <a:ext uri="{FF2B5EF4-FFF2-40B4-BE49-F238E27FC236}">
@@ -6107,7 +6282,781 @@
 </p:sld>
 </file>
 
-<file path=ppt/slides/slide11.xml><?xml version="1.0" encoding="utf-8"?>
+<file path=ppt/slides/slide13.xml><?xml version="1.0" encoding="utf-8"?>
+<p:sld xmlns:a="http://schemas.openxmlformats.org/drawingml/2006/main" xmlns:r="http://schemas.openxmlformats.org/officeDocument/2006/relationships" xmlns:p="http://schemas.openxmlformats.org/presentationml/2006/main">
+  <p:cSld>
+    <p:spTree>
+      <p:nvGrpSpPr>
+        <p:cNvPr id="1" name=""/>
+        <p:cNvGrpSpPr/>
+        <p:nvPr/>
+      </p:nvGrpSpPr>
+      <p:grpSpPr>
+        <a:xfrm>
+          <a:off x="0" y="0"/>
+          <a:ext cx="0" cy="0"/>
+          <a:chOff x="0" y="0"/>
+          <a:chExt cx="0" cy="0"/>
+        </a:xfrm>
+      </p:grpSpPr>
+      <p:pic>
+        <p:nvPicPr>
+          <p:cNvPr id="4" name="Picture 3" descr="A screenshot of a phone&#10;&#10;Description automatically generated with low confidence">
+            <a:extLst>
+              <a:ext uri="{FF2B5EF4-FFF2-40B4-BE49-F238E27FC236}">
+                <a16:creationId xmlns:a16="http://schemas.microsoft.com/office/drawing/2014/main" id="{B224A9D0-026C-0E00-A312-ED8135FD6B90}"/>
+              </a:ext>
+            </a:extLst>
+          </p:cNvPr>
+          <p:cNvPicPr>
+            <a:picLocks noChangeAspect="1"/>
+          </p:cNvPicPr>
+          <p:nvPr/>
+        </p:nvPicPr>
+        <p:blipFill>
+          <a:blip r:embed="rId2">
+            <a:extLst>
+              <a:ext uri="{28A0092B-C50C-407E-A947-70E740481C1C}">
+                <a14:useLocalDpi xmlns:a14="http://schemas.microsoft.com/office/drawing/2010/main" val="0"/>
+              </a:ext>
+            </a:extLst>
+          </a:blip>
+          <a:stretch>
+            <a:fillRect/>
+          </a:stretch>
+        </p:blipFill>
+        <p:spPr>
+          <a:xfrm>
+            <a:off x="1328568" y="438150"/>
+            <a:ext cx="2834005" cy="5981700"/>
+          </a:xfrm>
+          <a:prstGeom prst="rect">
+            <a:avLst/>
+          </a:prstGeom>
+        </p:spPr>
+      </p:pic>
+      <p:pic>
+        <p:nvPicPr>
+          <p:cNvPr id="5" name="Picture 4" descr="A screenshot of a phone&#10;&#10;Description automatically generated with low confidence">
+            <a:extLst>
+              <a:ext uri="{FF2B5EF4-FFF2-40B4-BE49-F238E27FC236}">
+                <a16:creationId xmlns:a16="http://schemas.microsoft.com/office/drawing/2014/main" id="{13C88B53-29C5-DF64-321B-A7F6E449C073}"/>
+              </a:ext>
+            </a:extLst>
+          </p:cNvPr>
+          <p:cNvPicPr>
+            <a:picLocks noChangeAspect="1"/>
+          </p:cNvPicPr>
+          <p:nvPr/>
+        </p:nvPicPr>
+        <p:blipFill>
+          <a:blip r:embed="rId3">
+            <a:extLst>
+              <a:ext uri="{28A0092B-C50C-407E-A947-70E740481C1C}">
+                <a14:useLocalDpi xmlns:a14="http://schemas.microsoft.com/office/drawing/2010/main" val="0"/>
+              </a:ext>
+            </a:extLst>
+          </a:blip>
+          <a:stretch>
+            <a:fillRect/>
+          </a:stretch>
+        </p:blipFill>
+        <p:spPr>
+          <a:xfrm>
+            <a:off x="4683442" y="438150"/>
+            <a:ext cx="2825115" cy="5981700"/>
+          </a:xfrm>
+          <a:prstGeom prst="rect">
+            <a:avLst/>
+          </a:prstGeom>
+        </p:spPr>
+      </p:pic>
+      <p:pic>
+        <p:nvPicPr>
+          <p:cNvPr id="6" name="Picture 5" descr="A screen shot of a cell phone&#10;&#10;Description automatically generated with low confidence">
+            <a:extLst>
+              <a:ext uri="{FF2B5EF4-FFF2-40B4-BE49-F238E27FC236}">
+                <a16:creationId xmlns:a16="http://schemas.microsoft.com/office/drawing/2014/main" id="{5F778121-3151-8BBD-DA78-B096C6C7769B}"/>
+              </a:ext>
+            </a:extLst>
+          </p:cNvPr>
+          <p:cNvPicPr>
+            <a:picLocks noChangeAspect="1"/>
+          </p:cNvPicPr>
+          <p:nvPr/>
+        </p:nvPicPr>
+        <p:blipFill>
+          <a:blip r:embed="rId4">
+            <a:extLst>
+              <a:ext uri="{28A0092B-C50C-407E-A947-70E740481C1C}">
+                <a14:useLocalDpi xmlns:a14="http://schemas.microsoft.com/office/drawing/2010/main" val="0"/>
+              </a:ext>
+            </a:extLst>
+          </a:blip>
+          <a:stretch>
+            <a:fillRect/>
+          </a:stretch>
+        </p:blipFill>
+        <p:spPr>
+          <a:xfrm>
+            <a:off x="8032602" y="438150"/>
+            <a:ext cx="2830830" cy="5981700"/>
+          </a:xfrm>
+          <a:prstGeom prst="rect">
+            <a:avLst/>
+          </a:prstGeom>
+        </p:spPr>
+      </p:pic>
+    </p:spTree>
+    <p:extLst>
+      <p:ext uri="{BB962C8B-B14F-4D97-AF65-F5344CB8AC3E}">
+        <p14:creationId xmlns:p14="http://schemas.microsoft.com/office/powerpoint/2010/main" val="553104756"/>
+      </p:ext>
+    </p:extLst>
+  </p:cSld>
+  <p:clrMapOvr>
+    <a:masterClrMapping/>
+  </p:clrMapOvr>
+</p:sld>
+</file>
+
+<file path=ppt/slides/slide14.xml><?xml version="1.0" encoding="utf-8"?>
+<p:sld xmlns:a="http://schemas.openxmlformats.org/drawingml/2006/main" xmlns:r="http://schemas.openxmlformats.org/officeDocument/2006/relationships" xmlns:p="http://schemas.openxmlformats.org/presentationml/2006/main">
+  <p:cSld>
+    <p:spTree>
+      <p:nvGrpSpPr>
+        <p:cNvPr id="1" name=""/>
+        <p:cNvGrpSpPr/>
+        <p:nvPr/>
+      </p:nvGrpSpPr>
+      <p:grpSpPr>
+        <a:xfrm>
+          <a:off x="0" y="0"/>
+          <a:ext cx="0" cy="0"/>
+          <a:chOff x="0" y="0"/>
+          <a:chExt cx="0" cy="0"/>
+        </a:xfrm>
+      </p:grpSpPr>
+      <p:sp>
+        <p:nvSpPr>
+          <p:cNvPr id="2" name="Title 1">
+            <a:extLst>
+              <a:ext uri="{FF2B5EF4-FFF2-40B4-BE49-F238E27FC236}">
+                <a16:creationId xmlns:a16="http://schemas.microsoft.com/office/drawing/2014/main" id="{A93932CD-CC41-D059-D7A7-E55B8D964611}"/>
+              </a:ext>
+            </a:extLst>
+          </p:cNvPr>
+          <p:cNvSpPr>
+            <a:spLocks noGrp="1"/>
+          </p:cNvSpPr>
+          <p:nvPr>
+            <p:ph type="title"/>
+          </p:nvPr>
+        </p:nvSpPr>
+        <p:spPr>
+          <a:xfrm>
+            <a:off x="838200" y="2766218"/>
+            <a:ext cx="10515600" cy="1325563"/>
+          </a:xfrm>
+        </p:spPr>
+        <p:txBody>
+          <a:bodyPr/>
+          <a:lstStyle/>
+          <a:p>
+            <a:pPr algn="ctr"/>
+            <a:r>
+              <a:rPr lang="en-US" dirty="0"/>
+              <a:t>V2</a:t>
+            </a:r>
+            <a:endParaRPr lang="en-GB" dirty="0"/>
+          </a:p>
+        </p:txBody>
+      </p:sp>
+    </p:spTree>
+    <p:extLst>
+      <p:ext uri="{BB962C8B-B14F-4D97-AF65-F5344CB8AC3E}">
+        <p14:creationId xmlns:p14="http://schemas.microsoft.com/office/powerpoint/2010/main" val="2453303603"/>
+      </p:ext>
+    </p:extLst>
+  </p:cSld>
+  <p:clrMapOvr>
+    <a:masterClrMapping/>
+  </p:clrMapOvr>
+</p:sld>
+</file>
+
+<file path=ppt/slides/slide15.xml><?xml version="1.0" encoding="utf-8"?>
+<p:sld xmlns:a="http://schemas.openxmlformats.org/drawingml/2006/main" xmlns:r="http://schemas.openxmlformats.org/officeDocument/2006/relationships" xmlns:p="http://schemas.openxmlformats.org/presentationml/2006/main">
+  <p:cSld>
+    <p:spTree>
+      <p:nvGrpSpPr>
+        <p:cNvPr id="1" name=""/>
+        <p:cNvGrpSpPr/>
+        <p:nvPr/>
+      </p:nvGrpSpPr>
+      <p:grpSpPr>
+        <a:xfrm>
+          <a:off x="0" y="0"/>
+          <a:ext cx="0" cy="0"/>
+          <a:chOff x="0" y="0"/>
+          <a:chExt cx="0" cy="0"/>
+        </a:xfrm>
+      </p:grpSpPr>
+      <p:pic>
+        <p:nvPicPr>
+          <p:cNvPr id="4" name="Picture 3" descr="A screenshot of a calendar&#10;&#10;Description automatically generated">
+            <a:extLst>
+              <a:ext uri="{FF2B5EF4-FFF2-40B4-BE49-F238E27FC236}">
+                <a16:creationId xmlns:a16="http://schemas.microsoft.com/office/drawing/2014/main" id="{D7D626D4-AF58-7840-7C6A-817E30BA3D76}"/>
+              </a:ext>
+            </a:extLst>
+          </p:cNvPr>
+          <p:cNvPicPr>
+            <a:picLocks noChangeAspect="1"/>
+          </p:cNvPicPr>
+          <p:nvPr/>
+        </p:nvPicPr>
+        <p:blipFill>
+          <a:blip r:embed="rId2" cstate="print">
+            <a:extLst>
+              <a:ext uri="{28A0092B-C50C-407E-A947-70E740481C1C}">
+                <a14:useLocalDpi xmlns:a14="http://schemas.microsoft.com/office/drawing/2010/main" val="0"/>
+              </a:ext>
+            </a:extLst>
+          </a:blip>
+          <a:srcRect/>
+          <a:stretch>
+            <a:fillRect/>
+          </a:stretch>
+        </p:blipFill>
+        <p:spPr bwMode="auto">
+          <a:xfrm>
+            <a:off x="3150810" y="409322"/>
+            <a:ext cx="2717800" cy="6039485"/>
+          </a:xfrm>
+          <a:prstGeom prst="rect">
+            <a:avLst/>
+          </a:prstGeom>
+          <a:noFill/>
+          <a:ln>
+            <a:noFill/>
+          </a:ln>
+        </p:spPr>
+      </p:pic>
+      <p:pic>
+        <p:nvPicPr>
+          <p:cNvPr id="5" name="Picture 4" descr="A screenshot of a cell phone&#10;&#10;Description automatically generated with medium confidence">
+            <a:extLst>
+              <a:ext uri="{FF2B5EF4-FFF2-40B4-BE49-F238E27FC236}">
+                <a16:creationId xmlns:a16="http://schemas.microsoft.com/office/drawing/2014/main" id="{E9904AD0-E3A8-3286-E7E4-CB8D290EAEAF}"/>
+              </a:ext>
+            </a:extLst>
+          </p:cNvPr>
+          <p:cNvPicPr>
+            <a:picLocks noChangeAspect="1"/>
+          </p:cNvPicPr>
+          <p:nvPr/>
+        </p:nvPicPr>
+        <p:blipFill>
+          <a:blip r:embed="rId3" cstate="print">
+            <a:extLst>
+              <a:ext uri="{28A0092B-C50C-407E-A947-70E740481C1C}">
+                <a14:useLocalDpi xmlns:a14="http://schemas.microsoft.com/office/drawing/2010/main" val="0"/>
+              </a:ext>
+            </a:extLst>
+          </a:blip>
+          <a:srcRect/>
+          <a:stretch>
+            <a:fillRect/>
+          </a:stretch>
+        </p:blipFill>
+        <p:spPr bwMode="auto">
+          <a:xfrm>
+            <a:off x="9159935" y="261937"/>
+            <a:ext cx="2849880" cy="6334125"/>
+          </a:xfrm>
+          <a:prstGeom prst="rect">
+            <a:avLst/>
+          </a:prstGeom>
+          <a:noFill/>
+          <a:ln>
+            <a:noFill/>
+          </a:ln>
+        </p:spPr>
+      </p:pic>
+      <p:pic>
+        <p:nvPicPr>
+          <p:cNvPr id="6" name="Picture 5" descr="A screenshot of a phone&#10;&#10;Description automatically generated with medium confidence">
+            <a:extLst>
+              <a:ext uri="{FF2B5EF4-FFF2-40B4-BE49-F238E27FC236}">
+                <a16:creationId xmlns:a16="http://schemas.microsoft.com/office/drawing/2014/main" id="{82374A39-9248-8AEC-2894-1546F1982CFB}"/>
+              </a:ext>
+            </a:extLst>
+          </p:cNvPr>
+          <p:cNvPicPr>
+            <a:picLocks noChangeAspect="1"/>
+          </p:cNvPicPr>
+          <p:nvPr/>
+        </p:nvPicPr>
+        <p:blipFill>
+          <a:blip r:embed="rId4" cstate="print">
+            <a:extLst>
+              <a:ext uri="{28A0092B-C50C-407E-A947-70E740481C1C}">
+                <a14:useLocalDpi xmlns:a14="http://schemas.microsoft.com/office/drawing/2010/main" val="0"/>
+              </a:ext>
+            </a:extLst>
+          </a:blip>
+          <a:srcRect/>
+          <a:stretch>
+            <a:fillRect/>
+          </a:stretch>
+        </p:blipFill>
+        <p:spPr bwMode="auto">
+          <a:xfrm>
+            <a:off x="205621" y="409254"/>
+            <a:ext cx="2717799" cy="6039553"/>
+          </a:xfrm>
+          <a:prstGeom prst="rect">
+            <a:avLst/>
+          </a:prstGeom>
+          <a:noFill/>
+          <a:ln>
+            <a:noFill/>
+          </a:ln>
+        </p:spPr>
+      </p:pic>
+      <p:pic>
+        <p:nvPicPr>
+          <p:cNvPr id="7" name="Picture 6" descr="A screenshot of a phone&#10;&#10;Description automatically generated with medium confidence">
+            <a:extLst>
+              <a:ext uri="{FF2B5EF4-FFF2-40B4-BE49-F238E27FC236}">
+                <a16:creationId xmlns:a16="http://schemas.microsoft.com/office/drawing/2014/main" id="{EFC0978D-823A-4DBD-13A8-034FF07A400C}"/>
+              </a:ext>
+            </a:extLst>
+          </p:cNvPr>
+          <p:cNvPicPr>
+            <a:picLocks noChangeAspect="1"/>
+          </p:cNvPicPr>
+          <p:nvPr/>
+        </p:nvPicPr>
+        <p:blipFill>
+          <a:blip r:embed="rId5" cstate="print">
+            <a:extLst>
+              <a:ext uri="{28A0092B-C50C-407E-A947-70E740481C1C}">
+                <a14:useLocalDpi xmlns:a14="http://schemas.microsoft.com/office/drawing/2010/main" val="0"/>
+              </a:ext>
+            </a:extLst>
+          </a:blip>
+          <a:srcRect/>
+          <a:stretch>
+            <a:fillRect/>
+          </a:stretch>
+        </p:blipFill>
+        <p:spPr bwMode="auto">
+          <a:xfrm>
+            <a:off x="6096000" y="261937"/>
+            <a:ext cx="2836545" cy="6305550"/>
+          </a:xfrm>
+          <a:prstGeom prst="rect">
+            <a:avLst/>
+          </a:prstGeom>
+          <a:noFill/>
+          <a:ln>
+            <a:noFill/>
+          </a:ln>
+        </p:spPr>
+      </p:pic>
+    </p:spTree>
+    <p:extLst>
+      <p:ext uri="{BB962C8B-B14F-4D97-AF65-F5344CB8AC3E}">
+        <p14:creationId xmlns:p14="http://schemas.microsoft.com/office/powerpoint/2010/main" val="2395903654"/>
+      </p:ext>
+    </p:extLst>
+  </p:cSld>
+  <p:clrMapOvr>
+    <a:masterClrMapping/>
+  </p:clrMapOvr>
+</p:sld>
+</file>
+
+<file path=ppt/slides/slide16.xml><?xml version="1.0" encoding="utf-8"?>
+<p:sld xmlns:a="http://schemas.openxmlformats.org/drawingml/2006/main" xmlns:r="http://schemas.openxmlformats.org/officeDocument/2006/relationships" xmlns:p="http://schemas.openxmlformats.org/presentationml/2006/main">
+  <p:cSld>
+    <p:spTree>
+      <p:nvGrpSpPr>
+        <p:cNvPr id="1" name=""/>
+        <p:cNvGrpSpPr/>
+        <p:nvPr/>
+      </p:nvGrpSpPr>
+      <p:grpSpPr>
+        <a:xfrm>
+          <a:off x="0" y="0"/>
+          <a:ext cx="0" cy="0"/>
+          <a:chOff x="0" y="0"/>
+          <a:chExt cx="0" cy="0"/>
+        </a:xfrm>
+      </p:grpSpPr>
+      <p:sp>
+        <p:nvSpPr>
+          <p:cNvPr id="2" name="Title 1">
+            <a:extLst>
+              <a:ext uri="{FF2B5EF4-FFF2-40B4-BE49-F238E27FC236}">
+                <a16:creationId xmlns:a16="http://schemas.microsoft.com/office/drawing/2014/main" id="{D5900F23-53EF-9AD7-3D6C-738A3D31DB36}"/>
+              </a:ext>
+            </a:extLst>
+          </p:cNvPr>
+          <p:cNvSpPr>
+            <a:spLocks noGrp="1"/>
+          </p:cNvSpPr>
+          <p:nvPr>
+            <p:ph type="title"/>
+          </p:nvPr>
+        </p:nvSpPr>
+        <p:spPr>
+          <a:xfrm>
+            <a:off x="838200" y="2766218"/>
+            <a:ext cx="10515600" cy="1325563"/>
+          </a:xfrm>
+        </p:spPr>
+        <p:txBody>
+          <a:bodyPr/>
+          <a:lstStyle/>
+          <a:p>
+            <a:pPr algn="ctr"/>
+            <a:r>
+              <a:rPr lang="en-US" dirty="0"/>
+              <a:t>V3</a:t>
+            </a:r>
+            <a:endParaRPr lang="en-GB" dirty="0"/>
+          </a:p>
+        </p:txBody>
+      </p:sp>
+    </p:spTree>
+    <p:extLst>
+      <p:ext uri="{BB962C8B-B14F-4D97-AF65-F5344CB8AC3E}">
+        <p14:creationId xmlns:p14="http://schemas.microsoft.com/office/powerpoint/2010/main" val="3040574218"/>
+      </p:ext>
+    </p:extLst>
+  </p:cSld>
+  <p:clrMapOvr>
+    <a:masterClrMapping/>
+  </p:clrMapOvr>
+</p:sld>
+</file>
+
+<file path=ppt/slides/slide17.xml><?xml version="1.0" encoding="utf-8"?>
+<p:sld xmlns:a="http://schemas.openxmlformats.org/drawingml/2006/main" xmlns:r="http://schemas.openxmlformats.org/officeDocument/2006/relationships" xmlns:p="http://schemas.openxmlformats.org/presentationml/2006/main">
+  <p:cSld>
+    <p:spTree>
+      <p:nvGrpSpPr>
+        <p:cNvPr id="1" name=""/>
+        <p:cNvGrpSpPr/>
+        <p:nvPr/>
+      </p:nvGrpSpPr>
+      <p:grpSpPr>
+        <a:xfrm>
+          <a:off x="0" y="0"/>
+          <a:ext cx="0" cy="0"/>
+          <a:chOff x="0" y="0"/>
+          <a:chExt cx="0" cy="0"/>
+        </a:xfrm>
+      </p:grpSpPr>
+      <p:pic>
+        <p:nvPicPr>
+          <p:cNvPr id="5" name="Picture 4" descr="A screenshot of a phone&#10;&#10;Description automatically generated with medium confidence">
+            <a:extLst>
+              <a:ext uri="{FF2B5EF4-FFF2-40B4-BE49-F238E27FC236}">
+                <a16:creationId xmlns:a16="http://schemas.microsoft.com/office/drawing/2014/main" id="{04ECFB88-AF63-169D-C7C4-51DADE75A9C9}"/>
+              </a:ext>
+            </a:extLst>
+          </p:cNvPr>
+          <p:cNvPicPr>
+            <a:picLocks noChangeAspect="1"/>
+          </p:cNvPicPr>
+          <p:nvPr/>
+        </p:nvPicPr>
+        <p:blipFill>
+          <a:blip r:embed="rId2">
+            <a:extLst>
+              <a:ext uri="{28A0092B-C50C-407E-A947-70E740481C1C}">
+                <a14:useLocalDpi xmlns:a14="http://schemas.microsoft.com/office/drawing/2010/main" val="0"/>
+              </a:ext>
+            </a:extLst>
+          </a:blip>
+          <a:stretch>
+            <a:fillRect/>
+          </a:stretch>
+        </p:blipFill>
+        <p:spPr>
+          <a:xfrm>
+            <a:off x="75605" y="304305"/>
+            <a:ext cx="2931894" cy="6249389"/>
+          </a:xfrm>
+          <a:prstGeom prst="rect">
+            <a:avLst/>
+          </a:prstGeom>
+        </p:spPr>
+      </p:pic>
+      <p:pic>
+        <p:nvPicPr>
+          <p:cNvPr id="7" name="Picture 6" descr="A screenshot of a phone&#10;&#10;Description automatically generated with medium confidence">
+            <a:extLst>
+              <a:ext uri="{FF2B5EF4-FFF2-40B4-BE49-F238E27FC236}">
+                <a16:creationId xmlns:a16="http://schemas.microsoft.com/office/drawing/2014/main" id="{51F2233E-5F4E-8CE0-18AE-092FD7C573B7}"/>
+              </a:ext>
+            </a:extLst>
+          </p:cNvPr>
+          <p:cNvPicPr>
+            <a:picLocks noChangeAspect="1"/>
+          </p:cNvPicPr>
+          <p:nvPr/>
+        </p:nvPicPr>
+        <p:blipFill>
+          <a:blip r:embed="rId3">
+            <a:extLst>
+              <a:ext uri="{28A0092B-C50C-407E-A947-70E740481C1C}">
+                <a14:useLocalDpi xmlns:a14="http://schemas.microsoft.com/office/drawing/2010/main" val="0"/>
+              </a:ext>
+            </a:extLst>
+          </a:blip>
+          <a:stretch>
+            <a:fillRect/>
+          </a:stretch>
+        </p:blipFill>
+        <p:spPr>
+          <a:xfrm>
+            <a:off x="3099907" y="304304"/>
+            <a:ext cx="2928361" cy="6249389"/>
+          </a:xfrm>
+          <a:prstGeom prst="rect">
+            <a:avLst/>
+          </a:prstGeom>
+        </p:spPr>
+      </p:pic>
+      <p:pic>
+        <p:nvPicPr>
+          <p:cNvPr id="9" name="Picture 8" descr="A screenshot of a phone&#10;&#10;Description automatically generated with medium confidence">
+            <a:extLst>
+              <a:ext uri="{FF2B5EF4-FFF2-40B4-BE49-F238E27FC236}">
+                <a16:creationId xmlns:a16="http://schemas.microsoft.com/office/drawing/2014/main" id="{885B499E-5BC8-4B3C-F60F-DBD6D7147C3B}"/>
+              </a:ext>
+            </a:extLst>
+          </p:cNvPr>
+          <p:cNvPicPr>
+            <a:picLocks noChangeAspect="1"/>
+          </p:cNvPicPr>
+          <p:nvPr/>
+        </p:nvPicPr>
+        <p:blipFill>
+          <a:blip r:embed="rId4">
+            <a:extLst>
+              <a:ext uri="{28A0092B-C50C-407E-A947-70E740481C1C}">
+                <a14:useLocalDpi xmlns:a14="http://schemas.microsoft.com/office/drawing/2010/main" val="0"/>
+              </a:ext>
+            </a:extLst>
+          </a:blip>
+          <a:stretch>
+            <a:fillRect/>
+          </a:stretch>
+        </p:blipFill>
+        <p:spPr>
+          <a:xfrm>
+            <a:off x="6120676" y="304304"/>
+            <a:ext cx="2952935" cy="6249389"/>
+          </a:xfrm>
+          <a:prstGeom prst="rect">
+            <a:avLst/>
+          </a:prstGeom>
+        </p:spPr>
+      </p:pic>
+      <p:pic>
+        <p:nvPicPr>
+          <p:cNvPr id="11" name="Picture 10" descr="A screenshot of a phone&#10;&#10;Description automatically generated with medium confidence">
+            <a:extLst>
+              <a:ext uri="{FF2B5EF4-FFF2-40B4-BE49-F238E27FC236}">
+                <a16:creationId xmlns:a16="http://schemas.microsoft.com/office/drawing/2014/main" id="{B225C5B0-8862-208B-C505-18E4B1487E38}"/>
+              </a:ext>
+            </a:extLst>
+          </p:cNvPr>
+          <p:cNvPicPr>
+            <a:picLocks noChangeAspect="1"/>
+          </p:cNvPicPr>
+          <p:nvPr/>
+        </p:nvPicPr>
+        <p:blipFill>
+          <a:blip r:embed="rId5">
+            <a:extLst>
+              <a:ext uri="{28A0092B-C50C-407E-A947-70E740481C1C}">
+                <a14:useLocalDpi xmlns:a14="http://schemas.microsoft.com/office/drawing/2010/main" val="0"/>
+              </a:ext>
+            </a:extLst>
+          </a:blip>
+          <a:stretch>
+            <a:fillRect/>
+          </a:stretch>
+        </p:blipFill>
+        <p:spPr>
+          <a:xfrm>
+            <a:off x="9184501" y="304305"/>
+            <a:ext cx="2926091" cy="6249389"/>
+          </a:xfrm>
+          <a:prstGeom prst="rect">
+            <a:avLst/>
+          </a:prstGeom>
+        </p:spPr>
+      </p:pic>
+    </p:spTree>
+    <p:extLst>
+      <p:ext uri="{BB962C8B-B14F-4D97-AF65-F5344CB8AC3E}">
+        <p14:creationId xmlns:p14="http://schemas.microsoft.com/office/powerpoint/2010/main" val="84603985"/>
+      </p:ext>
+    </p:extLst>
+  </p:cSld>
+  <p:clrMapOvr>
+    <a:masterClrMapping/>
+  </p:clrMapOvr>
+</p:sld>
+</file>
+
+<file path=ppt/slides/slide18.xml><?xml version="1.0" encoding="utf-8"?>
+<p:sld xmlns:a="http://schemas.openxmlformats.org/drawingml/2006/main" xmlns:r="http://schemas.openxmlformats.org/officeDocument/2006/relationships" xmlns:p="http://schemas.openxmlformats.org/presentationml/2006/main">
+  <p:cSld>
+    <p:spTree>
+      <p:nvGrpSpPr>
+        <p:cNvPr id="1" name=""/>
+        <p:cNvGrpSpPr/>
+        <p:nvPr/>
+      </p:nvGrpSpPr>
+      <p:grpSpPr>
+        <a:xfrm>
+          <a:off x="0" y="0"/>
+          <a:ext cx="0" cy="0"/>
+          <a:chOff x="0" y="0"/>
+          <a:chExt cx="0" cy="0"/>
+        </a:xfrm>
+      </p:grpSpPr>
+      <p:pic>
+        <p:nvPicPr>
+          <p:cNvPr id="5" name="Picture 4" descr="A screenshot of a phone&#10;&#10;Description automatically generated with medium confidence">
+            <a:extLst>
+              <a:ext uri="{FF2B5EF4-FFF2-40B4-BE49-F238E27FC236}">
+                <a16:creationId xmlns:a16="http://schemas.microsoft.com/office/drawing/2014/main" id="{2777FE42-EE76-EDF9-AE24-C752787D50FB}"/>
+              </a:ext>
+            </a:extLst>
+          </p:cNvPr>
+          <p:cNvPicPr>
+            <a:picLocks noChangeAspect="1"/>
+          </p:cNvPicPr>
+          <p:nvPr/>
+        </p:nvPicPr>
+        <p:blipFill>
+          <a:blip r:embed="rId2">
+            <a:extLst>
+              <a:ext uri="{28A0092B-C50C-407E-A947-70E740481C1C}">
+                <a14:useLocalDpi xmlns:a14="http://schemas.microsoft.com/office/drawing/2010/main" val="0"/>
+              </a:ext>
+            </a:extLst>
+          </a:blip>
+          <a:stretch>
+            <a:fillRect/>
+          </a:stretch>
+        </p:blipFill>
+        <p:spPr>
+          <a:xfrm>
+            <a:off x="827010" y="279070"/>
+            <a:ext cx="2946169" cy="6299860"/>
+          </a:xfrm>
+          <a:prstGeom prst="rect">
+            <a:avLst/>
+          </a:prstGeom>
+        </p:spPr>
+      </p:pic>
+      <p:pic>
+        <p:nvPicPr>
+          <p:cNvPr id="7" name="Picture 6" descr="A screenshot of a phone&#10;&#10;Description automatically generated with medium confidence">
+            <a:extLst>
+              <a:ext uri="{FF2B5EF4-FFF2-40B4-BE49-F238E27FC236}">
+                <a16:creationId xmlns:a16="http://schemas.microsoft.com/office/drawing/2014/main" id="{CE12073F-AD51-DCDC-1ADF-39DE44F4B4B8}"/>
+              </a:ext>
+            </a:extLst>
+          </p:cNvPr>
+          <p:cNvPicPr>
+            <a:picLocks noChangeAspect="1"/>
+          </p:cNvPicPr>
+          <p:nvPr/>
+        </p:nvPicPr>
+        <p:blipFill>
+          <a:blip r:embed="rId3">
+            <a:extLst>
+              <a:ext uri="{28A0092B-C50C-407E-A947-70E740481C1C}">
+                <a14:useLocalDpi xmlns:a14="http://schemas.microsoft.com/office/drawing/2010/main" val="0"/>
+              </a:ext>
+            </a:extLst>
+          </a:blip>
+          <a:stretch>
+            <a:fillRect/>
+          </a:stretch>
+        </p:blipFill>
+        <p:spPr>
+          <a:xfrm>
+            <a:off x="4611319" y="279070"/>
+            <a:ext cx="2969361" cy="6299860"/>
+          </a:xfrm>
+          <a:prstGeom prst="rect">
+            <a:avLst/>
+          </a:prstGeom>
+        </p:spPr>
+      </p:pic>
+      <p:pic>
+        <p:nvPicPr>
+          <p:cNvPr id="9" name="Picture 8" descr="A screenshot of a phone&#10;&#10;Description automatically generated with medium confidence">
+            <a:extLst>
+              <a:ext uri="{FF2B5EF4-FFF2-40B4-BE49-F238E27FC236}">
+                <a16:creationId xmlns:a16="http://schemas.microsoft.com/office/drawing/2014/main" id="{57560F59-96A0-0A36-A1CE-F3AE357BCB09}"/>
+              </a:ext>
+            </a:extLst>
+          </p:cNvPr>
+          <p:cNvPicPr>
+            <a:picLocks noChangeAspect="1"/>
+          </p:cNvPicPr>
+          <p:nvPr/>
+        </p:nvPicPr>
+        <p:blipFill>
+          <a:blip r:embed="rId4">
+            <a:extLst>
+              <a:ext uri="{28A0092B-C50C-407E-A947-70E740481C1C}">
+                <a14:useLocalDpi xmlns:a14="http://schemas.microsoft.com/office/drawing/2010/main" val="0"/>
+              </a:ext>
+            </a:extLst>
+          </a:blip>
+          <a:stretch>
+            <a:fillRect/>
+          </a:stretch>
+        </p:blipFill>
+        <p:spPr>
+          <a:xfrm>
+            <a:off x="8418820" y="279070"/>
+            <a:ext cx="2949723" cy="6299860"/>
+          </a:xfrm>
+          <a:prstGeom prst="rect">
+            <a:avLst/>
+          </a:prstGeom>
+        </p:spPr>
+      </p:pic>
+    </p:spTree>
+    <p:extLst>
+      <p:ext uri="{BB962C8B-B14F-4D97-AF65-F5344CB8AC3E}">
+        <p14:creationId xmlns:p14="http://schemas.microsoft.com/office/powerpoint/2010/main" val="1350782875"/>
+      </p:ext>
+    </p:extLst>
+  </p:cSld>
+  <p:clrMapOvr>
+    <a:masterClrMapping/>
+  </p:clrMapOvr>
+</p:sld>
+</file>
+
+<file path=ppt/slides/slide19.xml><?xml version="1.0" encoding="utf-8"?>
 <p:sld xmlns:a="http://schemas.openxmlformats.org/drawingml/2006/main" xmlns:r="http://schemas.openxmlformats.org/officeDocument/2006/relationships" xmlns:p="http://schemas.openxmlformats.org/presentationml/2006/main">
   <p:cSld>
     <p:spTree>
@@ -6567,6 +7516,116 @@
           <a:chExt cx="0" cy="0"/>
         </a:xfrm>
       </p:grpSpPr>
+      <p:sp>
+        <p:nvSpPr>
+          <p:cNvPr id="2" name="Title 1">
+            <a:extLst>
+              <a:ext uri="{FF2B5EF4-FFF2-40B4-BE49-F238E27FC236}">
+                <a16:creationId xmlns:a16="http://schemas.microsoft.com/office/drawing/2014/main" id="{FB300746-7CFD-F59F-C0A6-E9F07BDEC65E}"/>
+              </a:ext>
+            </a:extLst>
+          </p:cNvPr>
+          <p:cNvSpPr>
+            <a:spLocks noGrp="1"/>
+          </p:cNvSpPr>
+          <p:nvPr>
+            <p:ph type="title"/>
+          </p:nvPr>
+        </p:nvSpPr>
+        <p:spPr/>
+        <p:txBody>
+          <a:bodyPr/>
+          <a:lstStyle/>
+          <a:p>
+            <a:endParaRPr lang="en-GB" dirty="0"/>
+          </a:p>
+        </p:txBody>
+      </p:sp>
+      <p:sp>
+        <p:nvSpPr>
+          <p:cNvPr id="3" name="Content Placeholder 2">
+            <a:extLst>
+              <a:ext uri="{FF2B5EF4-FFF2-40B4-BE49-F238E27FC236}">
+                <a16:creationId xmlns:a16="http://schemas.microsoft.com/office/drawing/2014/main" id="{418F12AF-AFF9-7737-3131-9AD6AEE81D2B}"/>
+              </a:ext>
+            </a:extLst>
+          </p:cNvPr>
+          <p:cNvSpPr>
+            <a:spLocks noGrp="1"/>
+          </p:cNvSpPr>
+          <p:nvPr>
+            <p:ph idx="1"/>
+          </p:nvPr>
+        </p:nvSpPr>
+        <p:spPr/>
+        <p:txBody>
+          <a:bodyPr/>
+          <a:lstStyle/>
+          <a:p>
+            <a:endParaRPr lang="en-GB" dirty="0"/>
+          </a:p>
+        </p:txBody>
+      </p:sp>
+      <p:pic>
+        <p:nvPicPr>
+          <p:cNvPr id="7" name="Picture 6">
+            <a:extLst>
+              <a:ext uri="{FF2B5EF4-FFF2-40B4-BE49-F238E27FC236}">
+                <a16:creationId xmlns:a16="http://schemas.microsoft.com/office/drawing/2014/main" id="{973C8943-7977-38B5-1338-5D959D8D3EFF}"/>
+              </a:ext>
+            </a:extLst>
+          </p:cNvPr>
+          <p:cNvPicPr>
+            <a:picLocks noChangeAspect="1"/>
+          </p:cNvPicPr>
+          <p:nvPr/>
+        </p:nvPicPr>
+        <p:blipFill>
+          <a:blip r:embed="rId2"/>
+          <a:stretch>
+            <a:fillRect/>
+          </a:stretch>
+        </p:blipFill>
+        <p:spPr>
+          <a:xfrm>
+            <a:off x="-728508" y="0"/>
+            <a:ext cx="13649015" cy="6858000"/>
+          </a:xfrm>
+          <a:prstGeom prst="rect">
+            <a:avLst/>
+          </a:prstGeom>
+        </p:spPr>
+      </p:pic>
+    </p:spTree>
+    <p:extLst>
+      <p:ext uri="{BB962C8B-B14F-4D97-AF65-F5344CB8AC3E}">
+        <p14:creationId xmlns:p14="http://schemas.microsoft.com/office/powerpoint/2010/main" val="1622826550"/>
+      </p:ext>
+    </p:extLst>
+  </p:cSld>
+  <p:clrMapOvr>
+    <a:masterClrMapping/>
+  </p:clrMapOvr>
+</p:sld>
+</file>
+
+<file path=ppt/slides/slide7.xml><?xml version="1.0" encoding="utf-8"?>
+<p:sld xmlns:a="http://schemas.openxmlformats.org/drawingml/2006/main" xmlns:r="http://schemas.openxmlformats.org/officeDocument/2006/relationships" xmlns:p="http://schemas.openxmlformats.org/presentationml/2006/main">
+  <p:cSld>
+    <p:spTree>
+      <p:nvGrpSpPr>
+        <p:cNvPr id="1" name=""/>
+        <p:cNvGrpSpPr/>
+        <p:nvPr/>
+      </p:nvGrpSpPr>
+      <p:grpSpPr>
+        <a:xfrm>
+          <a:off x="0" y="0"/>
+          <a:ext cx="0" cy="0"/>
+          <a:chOff x="0" y="0"/>
+          <a:chExt cx="0" cy="0"/>
+        </a:xfrm>
+      </p:grpSpPr>
       <p:pic>
         <p:nvPicPr>
           <p:cNvPr id="7" name="Picture 6" descr="A picture containing graphics, font, graphic design, screenshot&#10;&#10;Description automatically generated">
@@ -6652,7 +7711,7 @@
 </p:sld>
 </file>
 
-<file path=ppt/slides/slide7.xml><?xml version="1.0" encoding="utf-8"?>
+<file path=ppt/slides/slide8.xml><?xml version="1.0" encoding="utf-8"?>
 <p:sld xmlns:a="http://schemas.openxmlformats.org/drawingml/2006/main" xmlns:r="http://schemas.openxmlformats.org/officeDocument/2006/relationships" xmlns:p="http://schemas.openxmlformats.org/presentationml/2006/main">
   <p:cSld>
     <p:spTree>
@@ -6718,7 +7777,7 @@
 </p:sld>
 </file>
 
-<file path=ppt/slides/slide8.xml><?xml version="1.0" encoding="utf-8"?>
+<file path=ppt/slides/slide9.xml><?xml version="1.0" encoding="utf-8"?>
 <p:sld xmlns:a="http://schemas.openxmlformats.org/drawingml/2006/main" xmlns:r="http://schemas.openxmlformats.org/officeDocument/2006/relationships" xmlns:p="http://schemas.openxmlformats.org/presentationml/2006/main">
   <p:cSld>
     <p:spTree>
@@ -6811,108 +7870,6 @@
     <p:extLst>
       <p:ext uri="{BB962C8B-B14F-4D97-AF65-F5344CB8AC3E}">
         <p14:creationId xmlns:p14="http://schemas.microsoft.com/office/powerpoint/2010/main" val="4039143071"/>
-      </p:ext>
-    </p:extLst>
-  </p:cSld>
-  <p:clrMapOvr>
-    <a:masterClrMapping/>
-  </p:clrMapOvr>
-</p:sld>
-</file>
-
-<file path=ppt/slides/slide9.xml><?xml version="1.0" encoding="utf-8"?>
-<p:sld xmlns:a="http://schemas.openxmlformats.org/drawingml/2006/main" xmlns:r="http://schemas.openxmlformats.org/officeDocument/2006/relationships" xmlns:p="http://schemas.openxmlformats.org/presentationml/2006/main">
-  <p:cSld>
-    <p:spTree>
-      <p:nvGrpSpPr>
-        <p:cNvPr id="1" name=""/>
-        <p:cNvGrpSpPr/>
-        <p:nvPr/>
-      </p:nvGrpSpPr>
-      <p:grpSpPr>
-        <a:xfrm>
-          <a:off x="0" y="0"/>
-          <a:ext cx="0" cy="0"/>
-          <a:chOff x="0" y="0"/>
-          <a:chExt cx="0" cy="0"/>
-        </a:xfrm>
-      </p:grpSpPr>
-      <p:pic>
-        <p:nvPicPr>
-          <p:cNvPr id="7" name="Picture 6" descr="A picture containing graphics, font, graphic design, screenshot&#10;&#10;Description automatically generated">
-            <a:extLst>
-              <a:ext uri="{FF2B5EF4-FFF2-40B4-BE49-F238E27FC236}">
-                <a16:creationId xmlns:a16="http://schemas.microsoft.com/office/drawing/2014/main" id="{CAB8BE5B-C0BB-98AE-77B5-22FA047CC45E}"/>
-              </a:ext>
-            </a:extLst>
-          </p:cNvPr>
-          <p:cNvPicPr>
-            <a:picLocks noChangeAspect="1"/>
-          </p:cNvPicPr>
-          <p:nvPr/>
-        </p:nvPicPr>
-        <p:blipFill>
-          <a:blip r:embed="rId2">
-            <a:extLst>
-              <a:ext uri="{28A0092B-C50C-407E-A947-70E740481C1C}">
-                <a14:useLocalDpi xmlns:a14="http://schemas.microsoft.com/office/drawing/2010/main" val="0"/>
-              </a:ext>
-            </a:extLst>
-          </a:blip>
-          <a:stretch>
-            <a:fillRect/>
-          </a:stretch>
-        </p:blipFill>
-        <p:spPr>
-          <a:xfrm>
-            <a:off x="371397" y="1582877"/>
-            <a:ext cx="6572250" cy="3448050"/>
-          </a:xfrm>
-          <a:prstGeom prst="rect">
-            <a:avLst/>
-          </a:prstGeom>
-        </p:spPr>
-      </p:pic>
-      <p:pic>
-        <p:nvPicPr>
-          <p:cNvPr id="10" name="Picture 9" descr="A picture containing clipart, cartoon, design&#10;&#10;Description automatically generated">
-            <a:extLst>
-              <a:ext uri="{FF2B5EF4-FFF2-40B4-BE49-F238E27FC236}">
-                <a16:creationId xmlns:a16="http://schemas.microsoft.com/office/drawing/2014/main" id="{44916B12-CC9C-7039-59D3-FBB583AF48C9}"/>
-              </a:ext>
-            </a:extLst>
-          </p:cNvPr>
-          <p:cNvPicPr>
-            <a:picLocks noChangeAspect="1"/>
-          </p:cNvPicPr>
-          <p:nvPr/>
-        </p:nvPicPr>
-        <p:blipFill>
-          <a:blip r:embed="rId3">
-            <a:extLst>
-              <a:ext uri="{28A0092B-C50C-407E-A947-70E740481C1C}">
-                <a14:useLocalDpi xmlns:a14="http://schemas.microsoft.com/office/drawing/2010/main" val="0"/>
-              </a:ext>
-            </a:extLst>
-          </a:blip>
-          <a:stretch>
-            <a:fillRect/>
-          </a:stretch>
-        </p:blipFill>
-        <p:spPr>
-          <a:xfrm>
-            <a:off x="5688089" y="1116650"/>
-            <a:ext cx="7812758" cy="4913492"/>
-          </a:xfrm>
-          <a:prstGeom prst="rect">
-            <a:avLst/>
-          </a:prstGeom>
-        </p:spPr>
-      </p:pic>
-    </p:spTree>
-    <p:extLst>
-      <p:ext uri="{BB962C8B-B14F-4D97-AF65-F5344CB8AC3E}">
-        <p14:creationId xmlns:p14="http://schemas.microsoft.com/office/powerpoint/2010/main" val="1981909091"/>
       </p:ext>
     </p:extLst>
   </p:cSld>
